--- a/04_PBL_02_不良個所自動検出/phase1/演習③　PoCにおける要件定義/提出課題.pptx
+++ b/04_PBL_02_不良個所自動検出/phase1/演習③　PoCにおける要件定義/提出課題.pptx
@@ -132,282 +132,6 @@
 
 <file path=ppt/changesInfos/changesInfo1.xml><?xml version="1.0" encoding="utf-8"?>
 <pc:chgInfo xmlns:a="http://schemas.openxmlformats.org/drawingml/2006/main" xmlns:r="http://schemas.openxmlformats.org/officeDocument/2006/relationships" xmlns:ac="http://schemas.microsoft.com/office/drawing/2013/main/command" xmlns:pc="http://schemas.microsoft.com/office/powerpoint/2013/main/command">
-  <pc:docChgLst>
-    <pc:chgData name="松井 雄大" userId="ce27b73449ee5595" providerId="LiveId" clId="{DB46FEFA-19B4-48CC-A1CD-558FBC793B45}"/>
-    <pc:docChg chg="undo custSel addSld delSld modSld">
-      <pc:chgData name="松井 雄大" userId="ce27b73449ee5595" providerId="LiveId" clId="{DB46FEFA-19B4-48CC-A1CD-558FBC793B45}" dt="2021-09-13T08:47:12.825" v="55"/>
-      <pc:docMkLst>
-        <pc:docMk/>
-      </pc:docMkLst>
-      <pc:sldChg chg="addSp delSp modSp del mod">
-        <pc:chgData name="松井 雄大" userId="ce27b73449ee5595" providerId="LiveId" clId="{DB46FEFA-19B4-48CC-A1CD-558FBC793B45}" dt="2021-09-13T08:46:37.743" v="35" actId="47"/>
-        <pc:sldMkLst>
-          <pc:docMk/>
-          <pc:sldMk cId="4266905298" sldId="256"/>
-        </pc:sldMkLst>
-        <pc:spChg chg="mod">
-          <ac:chgData name="松井 雄大" userId="ce27b73449ee5595" providerId="LiveId" clId="{DB46FEFA-19B4-48CC-A1CD-558FBC793B45}" dt="2021-09-13T08:14:57.471" v="1"/>
-          <ac:spMkLst>
-            <pc:docMk/>
-            <pc:sldMk cId="4266905298" sldId="256"/>
-            <ac:spMk id="4" creationId="{6B7125A6-FE03-4916-8D59-A86ADA2880D2}"/>
-          </ac:spMkLst>
-        </pc:spChg>
-        <pc:spChg chg="add mod">
-          <ac:chgData name="松井 雄大" userId="ce27b73449ee5595" providerId="LiveId" clId="{DB46FEFA-19B4-48CC-A1CD-558FBC793B45}" dt="2021-09-13T08:16:16.788" v="7"/>
-          <ac:spMkLst>
-            <pc:docMk/>
-            <pc:sldMk cId="4266905298" sldId="256"/>
-            <ac:spMk id="7" creationId="{22F755CD-7D91-42EF-8A71-BEED3037B1C6}"/>
-          </ac:spMkLst>
-        </pc:spChg>
-        <pc:spChg chg="del">
-          <ac:chgData name="松井 雄大" userId="ce27b73449ee5595" providerId="LiveId" clId="{DB46FEFA-19B4-48CC-A1CD-558FBC793B45}" dt="2021-09-13T08:15:05.436" v="3" actId="478"/>
-          <ac:spMkLst>
-            <pc:docMk/>
-            <pc:sldMk cId="4266905298" sldId="256"/>
-            <ac:spMk id="10" creationId="{60ED6BAA-31D8-40B9-9D9F-699D981B34D6}"/>
-          </ac:spMkLst>
-        </pc:spChg>
-        <pc:picChg chg="del">
-          <ac:chgData name="松井 雄大" userId="ce27b73449ee5595" providerId="LiveId" clId="{DB46FEFA-19B4-48CC-A1CD-558FBC793B45}" dt="2021-09-13T08:15:01.727" v="2" actId="478"/>
-          <ac:picMkLst>
-            <pc:docMk/>
-            <pc:sldMk cId="4266905298" sldId="256"/>
-            <ac:picMk id="9" creationId="{3B6622B0-8283-41ED-B51C-498025F06DDE}"/>
-          </ac:picMkLst>
-        </pc:picChg>
-      </pc:sldChg>
-      <pc:sldChg chg="addSp delSp modSp add del mod">
-        <pc:chgData name="松井 雄大" userId="ce27b73449ee5595" providerId="LiveId" clId="{DB46FEFA-19B4-48CC-A1CD-558FBC793B45}" dt="2021-09-13T08:46:53.206" v="46"/>
-        <pc:sldMkLst>
-          <pc:docMk/>
-          <pc:sldMk cId="4290564313" sldId="258"/>
-        </pc:sldMkLst>
-        <pc:spChg chg="del mod">
-          <ac:chgData name="松井 雄大" userId="ce27b73449ee5595" providerId="LiveId" clId="{DB46FEFA-19B4-48CC-A1CD-558FBC793B45}" dt="2021-09-13T08:46:52.734" v="45" actId="478"/>
-          <ac:spMkLst>
-            <pc:docMk/>
-            <pc:sldMk cId="4290564313" sldId="258"/>
-            <ac:spMk id="6" creationId="{BA225EAA-CB45-4F30-877A-DA43D14903E9}"/>
-          </ac:spMkLst>
-        </pc:spChg>
-        <pc:spChg chg="add mod">
-          <ac:chgData name="松井 雄大" userId="ce27b73449ee5595" providerId="LiveId" clId="{DB46FEFA-19B4-48CC-A1CD-558FBC793B45}" dt="2021-09-13T08:46:53.206" v="46"/>
-          <ac:spMkLst>
-            <pc:docMk/>
-            <pc:sldMk cId="4290564313" sldId="258"/>
-            <ac:spMk id="7" creationId="{9DB8712E-256C-415A-A19F-C88AAD882F30}"/>
-          </ac:spMkLst>
-        </pc:spChg>
-      </pc:sldChg>
-      <pc:sldChg chg="addSp delSp modSp add del mod">
-        <pc:chgData name="松井 雄大" userId="ce27b73449ee5595" providerId="LiveId" clId="{DB46FEFA-19B4-48CC-A1CD-558FBC793B45}" dt="2021-09-13T08:46:58.671" v="48"/>
-        <pc:sldMkLst>
-          <pc:docMk/>
-          <pc:sldMk cId="1959024223" sldId="259"/>
-        </pc:sldMkLst>
-        <pc:spChg chg="del">
-          <ac:chgData name="松井 雄大" userId="ce27b73449ee5595" providerId="LiveId" clId="{DB46FEFA-19B4-48CC-A1CD-558FBC793B45}" dt="2021-09-13T08:46:58.267" v="47" actId="478"/>
-          <ac:spMkLst>
-            <pc:docMk/>
-            <pc:sldMk cId="1959024223" sldId="259"/>
-            <ac:spMk id="6" creationId="{BA225EAA-CB45-4F30-877A-DA43D14903E9}"/>
-          </ac:spMkLst>
-        </pc:spChg>
-        <pc:spChg chg="add mod">
-          <ac:chgData name="松井 雄大" userId="ce27b73449ee5595" providerId="LiveId" clId="{DB46FEFA-19B4-48CC-A1CD-558FBC793B45}" dt="2021-09-13T08:46:58.671" v="48"/>
-          <ac:spMkLst>
-            <pc:docMk/>
-            <pc:sldMk cId="1959024223" sldId="259"/>
-            <ac:spMk id="7" creationId="{B7DBDDBC-AC33-4EAC-B5B6-9F2F3F4400A7}"/>
-          </ac:spMkLst>
-        </pc:spChg>
-      </pc:sldChg>
-      <pc:sldChg chg="addSp delSp modSp add del mod">
-        <pc:chgData name="松井 雄大" userId="ce27b73449ee5595" providerId="LiveId" clId="{DB46FEFA-19B4-48CC-A1CD-558FBC793B45}" dt="2021-09-13T08:47:04.415" v="50"/>
-        <pc:sldMkLst>
-          <pc:docMk/>
-          <pc:sldMk cId="1609718401" sldId="260"/>
-        </pc:sldMkLst>
-        <pc:spChg chg="add mod">
-          <ac:chgData name="松井 雄大" userId="ce27b73449ee5595" providerId="LiveId" clId="{DB46FEFA-19B4-48CC-A1CD-558FBC793B45}" dt="2021-09-13T08:47:04.415" v="50"/>
-          <ac:spMkLst>
-            <pc:docMk/>
-            <pc:sldMk cId="1609718401" sldId="260"/>
-            <ac:spMk id="5" creationId="{A38BD042-7D89-4FF2-B6DE-77C32FF8FDFC}"/>
-          </ac:spMkLst>
-        </pc:spChg>
-        <pc:spChg chg="del">
-          <ac:chgData name="松井 雄大" userId="ce27b73449ee5595" providerId="LiveId" clId="{DB46FEFA-19B4-48CC-A1CD-558FBC793B45}" dt="2021-09-13T08:47:03.958" v="49" actId="478"/>
-          <ac:spMkLst>
-            <pc:docMk/>
-            <pc:sldMk cId="1609718401" sldId="260"/>
-            <ac:spMk id="6" creationId="{BA225EAA-CB45-4F30-877A-DA43D14903E9}"/>
-          </ac:spMkLst>
-        </pc:spChg>
-      </pc:sldChg>
-      <pc:sldChg chg="addSp delSp modSp mod">
-        <pc:chgData name="松井 雄大" userId="ce27b73449ee5595" providerId="LiveId" clId="{DB46FEFA-19B4-48CC-A1CD-558FBC793B45}" dt="2021-09-13T08:44:53.748" v="33" actId="6549"/>
-        <pc:sldMkLst>
-          <pc:docMk/>
-          <pc:sldMk cId="2904666167" sldId="261"/>
-        </pc:sldMkLst>
-        <pc:spChg chg="del">
-          <ac:chgData name="松井 雄大" userId="ce27b73449ee5595" providerId="LiveId" clId="{DB46FEFA-19B4-48CC-A1CD-558FBC793B45}" dt="2021-09-13T08:27:32.329" v="8" actId="478"/>
-          <ac:spMkLst>
-            <pc:docMk/>
-            <pc:sldMk cId="2904666167" sldId="261"/>
-            <ac:spMk id="6" creationId="{BA225EAA-CB45-4F30-877A-DA43D14903E9}"/>
-          </ac:spMkLst>
-        </pc:spChg>
-        <pc:spChg chg="add del mod">
-          <ac:chgData name="松井 雄大" userId="ce27b73449ee5595" providerId="LiveId" clId="{DB46FEFA-19B4-48CC-A1CD-558FBC793B45}" dt="2021-09-13T08:44:53.748" v="33" actId="6549"/>
-          <ac:spMkLst>
-            <pc:docMk/>
-            <pc:sldMk cId="2904666167" sldId="261"/>
-            <ac:spMk id="7" creationId="{617ED44E-2CC9-4AD6-B195-ECFE80367B93}"/>
-          </ac:spMkLst>
-        </pc:spChg>
-        <pc:spChg chg="add mod">
-          <ac:chgData name="松井 雄大" userId="ce27b73449ee5595" providerId="LiveId" clId="{DB46FEFA-19B4-48CC-A1CD-558FBC793B45}" dt="2021-09-13T08:27:32.698" v="9"/>
-          <ac:spMkLst>
-            <pc:docMk/>
-            <pc:sldMk cId="2904666167" sldId="261"/>
-            <ac:spMk id="9" creationId="{089FD7F1-773E-4073-937C-F0151B10FF18}"/>
-          </ac:spMkLst>
-        </pc:spChg>
-        <pc:picChg chg="del">
-          <ac:chgData name="松井 雄大" userId="ce27b73449ee5595" providerId="LiveId" clId="{DB46FEFA-19B4-48CC-A1CD-558FBC793B45}" dt="2021-09-13T08:15:07.733" v="4" actId="478"/>
-          <ac:picMkLst>
-            <pc:docMk/>
-            <pc:sldMk cId="2904666167" sldId="261"/>
-            <ac:picMk id="8" creationId="{873C9F73-D33C-43B1-A2E5-46B067BCD017}"/>
-          </ac:picMkLst>
-        </pc:picChg>
-      </pc:sldChg>
-      <pc:sldChg chg="del">
-        <pc:chgData name="松井 雄大" userId="ce27b73449ee5595" providerId="LiveId" clId="{DB46FEFA-19B4-48CC-A1CD-558FBC793B45}" dt="2021-09-13T08:13:10.087" v="0" actId="47"/>
-        <pc:sldMkLst>
-          <pc:docMk/>
-          <pc:sldMk cId="1327894065" sldId="262"/>
-        </pc:sldMkLst>
-      </pc:sldChg>
-      <pc:sldChg chg="addSp delSp modSp add mod">
-        <pc:chgData name="松井 雄大" userId="ce27b73449ee5595" providerId="LiveId" clId="{DB46FEFA-19B4-48CC-A1CD-558FBC793B45}" dt="2021-09-13T08:46:45.260" v="41"/>
-        <pc:sldMkLst>
-          <pc:docMk/>
-          <pc:sldMk cId="1341239479" sldId="262"/>
-        </pc:sldMkLst>
-        <pc:spChg chg="del mod">
-          <ac:chgData name="松井 雄大" userId="ce27b73449ee5595" providerId="LiveId" clId="{DB46FEFA-19B4-48CC-A1CD-558FBC793B45}" dt="2021-09-13T08:46:44.847" v="40" actId="478"/>
-          <ac:spMkLst>
-            <pc:docMk/>
-            <pc:sldMk cId="1341239479" sldId="262"/>
-            <ac:spMk id="4" creationId="{6B7125A6-FE03-4916-8D59-A86ADA2880D2}"/>
-          </ac:spMkLst>
-        </pc:spChg>
-        <pc:spChg chg="add mod">
-          <ac:chgData name="松井 雄大" userId="ce27b73449ee5595" providerId="LiveId" clId="{DB46FEFA-19B4-48CC-A1CD-558FBC793B45}" dt="2021-09-13T08:46:45.260" v="41"/>
-          <ac:spMkLst>
-            <pc:docMk/>
-            <pc:sldMk cId="1341239479" sldId="262"/>
-            <ac:spMk id="7" creationId="{D3215AD1-587C-404A-8538-C166421452F3}"/>
-          </ac:spMkLst>
-        </pc:spChg>
-      </pc:sldChg>
-      <pc:sldChg chg="addSp delSp modSp add mod">
-        <pc:chgData name="松井 雄大" userId="ce27b73449ee5595" providerId="LiveId" clId="{DB46FEFA-19B4-48CC-A1CD-558FBC793B45}" dt="2021-09-13T08:46:49.909" v="43"/>
-        <pc:sldMkLst>
-          <pc:docMk/>
-          <pc:sldMk cId="261977881" sldId="263"/>
-        </pc:sldMkLst>
-        <pc:spChg chg="del">
-          <ac:chgData name="松井 雄大" userId="ce27b73449ee5595" providerId="LiveId" clId="{DB46FEFA-19B4-48CC-A1CD-558FBC793B45}" dt="2021-09-13T08:46:49.436" v="42" actId="478"/>
-          <ac:spMkLst>
-            <pc:docMk/>
-            <pc:sldMk cId="261977881" sldId="263"/>
-            <ac:spMk id="6" creationId="{BA225EAA-CB45-4F30-877A-DA43D14903E9}"/>
-          </ac:spMkLst>
-        </pc:spChg>
-        <pc:spChg chg="add mod">
-          <ac:chgData name="松井 雄大" userId="ce27b73449ee5595" providerId="LiveId" clId="{DB46FEFA-19B4-48CC-A1CD-558FBC793B45}" dt="2021-09-13T08:46:49.909" v="43"/>
-          <ac:spMkLst>
-            <pc:docMk/>
-            <pc:sldMk cId="261977881" sldId="263"/>
-            <ac:spMk id="9" creationId="{9C80EFE1-3BF8-404D-96EE-9A74BC0E59B2}"/>
-          </ac:spMkLst>
-        </pc:spChg>
-      </pc:sldChg>
-      <pc:sldChg chg="del">
-        <pc:chgData name="松井 雄大" userId="ce27b73449ee5595" providerId="LiveId" clId="{DB46FEFA-19B4-48CC-A1CD-558FBC793B45}" dt="2021-09-13T08:13:10.087" v="0" actId="47"/>
-        <pc:sldMkLst>
-          <pc:docMk/>
-          <pc:sldMk cId="4062309482" sldId="263"/>
-        </pc:sldMkLst>
-      </pc:sldChg>
-      <pc:sldChg chg="addSp delSp modSp add mod">
-        <pc:chgData name="松井 雄大" userId="ce27b73449ee5595" providerId="LiveId" clId="{DB46FEFA-19B4-48CC-A1CD-558FBC793B45}" dt="2021-09-13T08:47:08.452" v="53"/>
-        <pc:sldMkLst>
-          <pc:docMk/>
-          <pc:sldMk cId="1327894065" sldId="264"/>
-        </pc:sldMkLst>
-        <pc:spChg chg="add mod">
-          <ac:chgData name="松井 雄大" userId="ce27b73449ee5595" providerId="LiveId" clId="{DB46FEFA-19B4-48CC-A1CD-558FBC793B45}" dt="2021-09-13T08:47:08.452" v="53"/>
-          <ac:spMkLst>
-            <pc:docMk/>
-            <pc:sldMk cId="1327894065" sldId="264"/>
-            <ac:spMk id="5" creationId="{FC1D3404-31B6-417A-8B73-A52912FD42D2}"/>
-          </ac:spMkLst>
-        </pc:spChg>
-        <pc:spChg chg="del mod">
-          <ac:chgData name="松井 雄大" userId="ce27b73449ee5595" providerId="LiveId" clId="{DB46FEFA-19B4-48CC-A1CD-558FBC793B45}" dt="2021-09-13T08:47:07.991" v="52" actId="478"/>
-          <ac:spMkLst>
-            <pc:docMk/>
-            <pc:sldMk cId="1327894065" sldId="264"/>
-            <ac:spMk id="6" creationId="{BA225EAA-CB45-4F30-877A-DA43D14903E9}"/>
-          </ac:spMkLst>
-        </pc:spChg>
-      </pc:sldChg>
-      <pc:sldChg chg="del">
-        <pc:chgData name="松井 雄大" userId="ce27b73449ee5595" providerId="LiveId" clId="{DB46FEFA-19B4-48CC-A1CD-558FBC793B45}" dt="2021-09-13T08:13:10.087" v="0" actId="47"/>
-        <pc:sldMkLst>
-          <pc:docMk/>
-          <pc:sldMk cId="2371586413" sldId="265"/>
-        </pc:sldMkLst>
-      </pc:sldChg>
-      <pc:sldChg chg="addSp delSp modSp add mod">
-        <pc:chgData name="松井 雄大" userId="ce27b73449ee5595" providerId="LiveId" clId="{DB46FEFA-19B4-48CC-A1CD-558FBC793B45}" dt="2021-09-13T08:47:12.825" v="55"/>
-        <pc:sldMkLst>
-          <pc:docMk/>
-          <pc:sldMk cId="4062309482" sldId="265"/>
-        </pc:sldMkLst>
-        <pc:spChg chg="add mod">
-          <ac:chgData name="松井 雄大" userId="ce27b73449ee5595" providerId="LiveId" clId="{DB46FEFA-19B4-48CC-A1CD-558FBC793B45}" dt="2021-09-13T08:47:12.825" v="55"/>
-          <ac:spMkLst>
-            <pc:docMk/>
-            <pc:sldMk cId="4062309482" sldId="265"/>
-            <ac:spMk id="5" creationId="{BC9FED2D-6CB0-41A3-816B-D560DBBE720A}"/>
-          </ac:spMkLst>
-        </pc:spChg>
-        <pc:spChg chg="del">
-          <ac:chgData name="松井 雄大" userId="ce27b73449ee5595" providerId="LiveId" clId="{DB46FEFA-19B4-48CC-A1CD-558FBC793B45}" dt="2021-09-13T08:47:12.379" v="54" actId="478"/>
-          <ac:spMkLst>
-            <pc:docMk/>
-            <pc:sldMk cId="4062309482" sldId="265"/>
-            <ac:spMk id="6" creationId="{BA225EAA-CB45-4F30-877A-DA43D14903E9}"/>
-          </ac:spMkLst>
-        </pc:spChg>
-      </pc:sldChg>
-      <pc:sldChg chg="del">
-        <pc:chgData name="松井 雄大" userId="ce27b73449ee5595" providerId="LiveId" clId="{DB46FEFA-19B4-48CC-A1CD-558FBC793B45}" dt="2021-09-13T08:13:10.087" v="0" actId="47"/>
-        <pc:sldMkLst>
-          <pc:docMk/>
-          <pc:sldMk cId="2921450699" sldId="266"/>
-        </pc:sldMkLst>
-      </pc:sldChg>
-    </pc:docChg>
-  </pc:docChgLst>
   <pc:docChgLst>
     <pc:chgData name="松井 雄大" userId="ce27b73449ee5595" providerId="LiveId" clId="{CD538374-4EF1-46EA-A0D7-0B2FCA6082A2}"/>
     <pc:docChg chg="undo custSel addSld delSld modSld modMainMaster">
@@ -735,6 +459,282 @@
           </pc:spChg>
         </pc:sldLayoutChg>
       </pc:sldMasterChg>
+    </pc:docChg>
+  </pc:docChgLst>
+  <pc:docChgLst>
+    <pc:chgData name="松井 雄大" userId="ce27b73449ee5595" providerId="LiveId" clId="{DB46FEFA-19B4-48CC-A1CD-558FBC793B45}"/>
+    <pc:docChg chg="undo custSel addSld delSld modSld">
+      <pc:chgData name="松井 雄大" userId="ce27b73449ee5595" providerId="LiveId" clId="{DB46FEFA-19B4-48CC-A1CD-558FBC793B45}" dt="2021-09-13T08:47:12.825" v="55"/>
+      <pc:docMkLst>
+        <pc:docMk/>
+      </pc:docMkLst>
+      <pc:sldChg chg="addSp delSp modSp del mod">
+        <pc:chgData name="松井 雄大" userId="ce27b73449ee5595" providerId="LiveId" clId="{DB46FEFA-19B4-48CC-A1CD-558FBC793B45}" dt="2021-09-13T08:46:37.743" v="35" actId="47"/>
+        <pc:sldMkLst>
+          <pc:docMk/>
+          <pc:sldMk cId="4266905298" sldId="256"/>
+        </pc:sldMkLst>
+        <pc:spChg chg="mod">
+          <ac:chgData name="松井 雄大" userId="ce27b73449ee5595" providerId="LiveId" clId="{DB46FEFA-19B4-48CC-A1CD-558FBC793B45}" dt="2021-09-13T08:14:57.471" v="1"/>
+          <ac:spMkLst>
+            <pc:docMk/>
+            <pc:sldMk cId="4266905298" sldId="256"/>
+            <ac:spMk id="4" creationId="{6B7125A6-FE03-4916-8D59-A86ADA2880D2}"/>
+          </ac:spMkLst>
+        </pc:spChg>
+        <pc:spChg chg="add mod">
+          <ac:chgData name="松井 雄大" userId="ce27b73449ee5595" providerId="LiveId" clId="{DB46FEFA-19B4-48CC-A1CD-558FBC793B45}" dt="2021-09-13T08:16:16.788" v="7"/>
+          <ac:spMkLst>
+            <pc:docMk/>
+            <pc:sldMk cId="4266905298" sldId="256"/>
+            <ac:spMk id="7" creationId="{22F755CD-7D91-42EF-8A71-BEED3037B1C6}"/>
+          </ac:spMkLst>
+        </pc:spChg>
+        <pc:spChg chg="del">
+          <ac:chgData name="松井 雄大" userId="ce27b73449ee5595" providerId="LiveId" clId="{DB46FEFA-19B4-48CC-A1CD-558FBC793B45}" dt="2021-09-13T08:15:05.436" v="3" actId="478"/>
+          <ac:spMkLst>
+            <pc:docMk/>
+            <pc:sldMk cId="4266905298" sldId="256"/>
+            <ac:spMk id="10" creationId="{60ED6BAA-31D8-40B9-9D9F-699D981B34D6}"/>
+          </ac:spMkLst>
+        </pc:spChg>
+        <pc:picChg chg="del">
+          <ac:chgData name="松井 雄大" userId="ce27b73449ee5595" providerId="LiveId" clId="{DB46FEFA-19B4-48CC-A1CD-558FBC793B45}" dt="2021-09-13T08:15:01.727" v="2" actId="478"/>
+          <ac:picMkLst>
+            <pc:docMk/>
+            <pc:sldMk cId="4266905298" sldId="256"/>
+            <ac:picMk id="9" creationId="{3B6622B0-8283-41ED-B51C-498025F06DDE}"/>
+          </ac:picMkLst>
+        </pc:picChg>
+      </pc:sldChg>
+      <pc:sldChg chg="addSp delSp modSp add del mod">
+        <pc:chgData name="松井 雄大" userId="ce27b73449ee5595" providerId="LiveId" clId="{DB46FEFA-19B4-48CC-A1CD-558FBC793B45}" dt="2021-09-13T08:46:53.206" v="46"/>
+        <pc:sldMkLst>
+          <pc:docMk/>
+          <pc:sldMk cId="4290564313" sldId="258"/>
+        </pc:sldMkLst>
+        <pc:spChg chg="del mod">
+          <ac:chgData name="松井 雄大" userId="ce27b73449ee5595" providerId="LiveId" clId="{DB46FEFA-19B4-48CC-A1CD-558FBC793B45}" dt="2021-09-13T08:46:52.734" v="45" actId="478"/>
+          <ac:spMkLst>
+            <pc:docMk/>
+            <pc:sldMk cId="4290564313" sldId="258"/>
+            <ac:spMk id="6" creationId="{BA225EAA-CB45-4F30-877A-DA43D14903E9}"/>
+          </ac:spMkLst>
+        </pc:spChg>
+        <pc:spChg chg="add mod">
+          <ac:chgData name="松井 雄大" userId="ce27b73449ee5595" providerId="LiveId" clId="{DB46FEFA-19B4-48CC-A1CD-558FBC793B45}" dt="2021-09-13T08:46:53.206" v="46"/>
+          <ac:spMkLst>
+            <pc:docMk/>
+            <pc:sldMk cId="4290564313" sldId="258"/>
+            <ac:spMk id="7" creationId="{9DB8712E-256C-415A-A19F-C88AAD882F30}"/>
+          </ac:spMkLst>
+        </pc:spChg>
+      </pc:sldChg>
+      <pc:sldChg chg="addSp delSp modSp add del mod">
+        <pc:chgData name="松井 雄大" userId="ce27b73449ee5595" providerId="LiveId" clId="{DB46FEFA-19B4-48CC-A1CD-558FBC793B45}" dt="2021-09-13T08:46:58.671" v="48"/>
+        <pc:sldMkLst>
+          <pc:docMk/>
+          <pc:sldMk cId="1959024223" sldId="259"/>
+        </pc:sldMkLst>
+        <pc:spChg chg="del">
+          <ac:chgData name="松井 雄大" userId="ce27b73449ee5595" providerId="LiveId" clId="{DB46FEFA-19B4-48CC-A1CD-558FBC793B45}" dt="2021-09-13T08:46:58.267" v="47" actId="478"/>
+          <ac:spMkLst>
+            <pc:docMk/>
+            <pc:sldMk cId="1959024223" sldId="259"/>
+            <ac:spMk id="6" creationId="{BA225EAA-CB45-4F30-877A-DA43D14903E9}"/>
+          </ac:spMkLst>
+        </pc:spChg>
+        <pc:spChg chg="add mod">
+          <ac:chgData name="松井 雄大" userId="ce27b73449ee5595" providerId="LiveId" clId="{DB46FEFA-19B4-48CC-A1CD-558FBC793B45}" dt="2021-09-13T08:46:58.671" v="48"/>
+          <ac:spMkLst>
+            <pc:docMk/>
+            <pc:sldMk cId="1959024223" sldId="259"/>
+            <ac:spMk id="7" creationId="{B7DBDDBC-AC33-4EAC-B5B6-9F2F3F4400A7}"/>
+          </ac:spMkLst>
+        </pc:spChg>
+      </pc:sldChg>
+      <pc:sldChg chg="addSp delSp modSp add del mod">
+        <pc:chgData name="松井 雄大" userId="ce27b73449ee5595" providerId="LiveId" clId="{DB46FEFA-19B4-48CC-A1CD-558FBC793B45}" dt="2021-09-13T08:47:04.415" v="50"/>
+        <pc:sldMkLst>
+          <pc:docMk/>
+          <pc:sldMk cId="1609718401" sldId="260"/>
+        </pc:sldMkLst>
+        <pc:spChg chg="add mod">
+          <ac:chgData name="松井 雄大" userId="ce27b73449ee5595" providerId="LiveId" clId="{DB46FEFA-19B4-48CC-A1CD-558FBC793B45}" dt="2021-09-13T08:47:04.415" v="50"/>
+          <ac:spMkLst>
+            <pc:docMk/>
+            <pc:sldMk cId="1609718401" sldId="260"/>
+            <ac:spMk id="5" creationId="{A38BD042-7D89-4FF2-B6DE-77C32FF8FDFC}"/>
+          </ac:spMkLst>
+        </pc:spChg>
+        <pc:spChg chg="del">
+          <ac:chgData name="松井 雄大" userId="ce27b73449ee5595" providerId="LiveId" clId="{DB46FEFA-19B4-48CC-A1CD-558FBC793B45}" dt="2021-09-13T08:47:03.958" v="49" actId="478"/>
+          <ac:spMkLst>
+            <pc:docMk/>
+            <pc:sldMk cId="1609718401" sldId="260"/>
+            <ac:spMk id="6" creationId="{BA225EAA-CB45-4F30-877A-DA43D14903E9}"/>
+          </ac:spMkLst>
+        </pc:spChg>
+      </pc:sldChg>
+      <pc:sldChg chg="addSp delSp modSp mod">
+        <pc:chgData name="松井 雄大" userId="ce27b73449ee5595" providerId="LiveId" clId="{DB46FEFA-19B4-48CC-A1CD-558FBC793B45}" dt="2021-09-13T08:44:53.748" v="33" actId="6549"/>
+        <pc:sldMkLst>
+          <pc:docMk/>
+          <pc:sldMk cId="2904666167" sldId="261"/>
+        </pc:sldMkLst>
+        <pc:spChg chg="del">
+          <ac:chgData name="松井 雄大" userId="ce27b73449ee5595" providerId="LiveId" clId="{DB46FEFA-19B4-48CC-A1CD-558FBC793B45}" dt="2021-09-13T08:27:32.329" v="8" actId="478"/>
+          <ac:spMkLst>
+            <pc:docMk/>
+            <pc:sldMk cId="2904666167" sldId="261"/>
+            <ac:spMk id="6" creationId="{BA225EAA-CB45-4F30-877A-DA43D14903E9}"/>
+          </ac:spMkLst>
+        </pc:spChg>
+        <pc:spChg chg="add del mod">
+          <ac:chgData name="松井 雄大" userId="ce27b73449ee5595" providerId="LiveId" clId="{DB46FEFA-19B4-48CC-A1CD-558FBC793B45}" dt="2021-09-13T08:44:53.748" v="33" actId="6549"/>
+          <ac:spMkLst>
+            <pc:docMk/>
+            <pc:sldMk cId="2904666167" sldId="261"/>
+            <ac:spMk id="7" creationId="{617ED44E-2CC9-4AD6-B195-ECFE80367B93}"/>
+          </ac:spMkLst>
+        </pc:spChg>
+        <pc:spChg chg="add mod">
+          <ac:chgData name="松井 雄大" userId="ce27b73449ee5595" providerId="LiveId" clId="{DB46FEFA-19B4-48CC-A1CD-558FBC793B45}" dt="2021-09-13T08:27:32.698" v="9"/>
+          <ac:spMkLst>
+            <pc:docMk/>
+            <pc:sldMk cId="2904666167" sldId="261"/>
+            <ac:spMk id="9" creationId="{089FD7F1-773E-4073-937C-F0151B10FF18}"/>
+          </ac:spMkLst>
+        </pc:spChg>
+        <pc:picChg chg="del">
+          <ac:chgData name="松井 雄大" userId="ce27b73449ee5595" providerId="LiveId" clId="{DB46FEFA-19B4-48CC-A1CD-558FBC793B45}" dt="2021-09-13T08:15:07.733" v="4" actId="478"/>
+          <ac:picMkLst>
+            <pc:docMk/>
+            <pc:sldMk cId="2904666167" sldId="261"/>
+            <ac:picMk id="8" creationId="{873C9F73-D33C-43B1-A2E5-46B067BCD017}"/>
+          </ac:picMkLst>
+        </pc:picChg>
+      </pc:sldChg>
+      <pc:sldChg chg="del">
+        <pc:chgData name="松井 雄大" userId="ce27b73449ee5595" providerId="LiveId" clId="{DB46FEFA-19B4-48CC-A1CD-558FBC793B45}" dt="2021-09-13T08:13:10.087" v="0" actId="47"/>
+        <pc:sldMkLst>
+          <pc:docMk/>
+          <pc:sldMk cId="1327894065" sldId="262"/>
+        </pc:sldMkLst>
+      </pc:sldChg>
+      <pc:sldChg chg="addSp delSp modSp add mod">
+        <pc:chgData name="松井 雄大" userId="ce27b73449ee5595" providerId="LiveId" clId="{DB46FEFA-19B4-48CC-A1CD-558FBC793B45}" dt="2021-09-13T08:46:45.260" v="41"/>
+        <pc:sldMkLst>
+          <pc:docMk/>
+          <pc:sldMk cId="1341239479" sldId="262"/>
+        </pc:sldMkLst>
+        <pc:spChg chg="del mod">
+          <ac:chgData name="松井 雄大" userId="ce27b73449ee5595" providerId="LiveId" clId="{DB46FEFA-19B4-48CC-A1CD-558FBC793B45}" dt="2021-09-13T08:46:44.847" v="40" actId="478"/>
+          <ac:spMkLst>
+            <pc:docMk/>
+            <pc:sldMk cId="1341239479" sldId="262"/>
+            <ac:spMk id="4" creationId="{6B7125A6-FE03-4916-8D59-A86ADA2880D2}"/>
+          </ac:spMkLst>
+        </pc:spChg>
+        <pc:spChg chg="add mod">
+          <ac:chgData name="松井 雄大" userId="ce27b73449ee5595" providerId="LiveId" clId="{DB46FEFA-19B4-48CC-A1CD-558FBC793B45}" dt="2021-09-13T08:46:45.260" v="41"/>
+          <ac:spMkLst>
+            <pc:docMk/>
+            <pc:sldMk cId="1341239479" sldId="262"/>
+            <ac:spMk id="7" creationId="{D3215AD1-587C-404A-8538-C166421452F3}"/>
+          </ac:spMkLst>
+        </pc:spChg>
+      </pc:sldChg>
+      <pc:sldChg chg="addSp delSp modSp add mod">
+        <pc:chgData name="松井 雄大" userId="ce27b73449ee5595" providerId="LiveId" clId="{DB46FEFA-19B4-48CC-A1CD-558FBC793B45}" dt="2021-09-13T08:46:49.909" v="43"/>
+        <pc:sldMkLst>
+          <pc:docMk/>
+          <pc:sldMk cId="261977881" sldId="263"/>
+        </pc:sldMkLst>
+        <pc:spChg chg="del">
+          <ac:chgData name="松井 雄大" userId="ce27b73449ee5595" providerId="LiveId" clId="{DB46FEFA-19B4-48CC-A1CD-558FBC793B45}" dt="2021-09-13T08:46:49.436" v="42" actId="478"/>
+          <ac:spMkLst>
+            <pc:docMk/>
+            <pc:sldMk cId="261977881" sldId="263"/>
+            <ac:spMk id="6" creationId="{BA225EAA-CB45-4F30-877A-DA43D14903E9}"/>
+          </ac:spMkLst>
+        </pc:spChg>
+        <pc:spChg chg="add mod">
+          <ac:chgData name="松井 雄大" userId="ce27b73449ee5595" providerId="LiveId" clId="{DB46FEFA-19B4-48CC-A1CD-558FBC793B45}" dt="2021-09-13T08:46:49.909" v="43"/>
+          <ac:spMkLst>
+            <pc:docMk/>
+            <pc:sldMk cId="261977881" sldId="263"/>
+            <ac:spMk id="9" creationId="{9C80EFE1-3BF8-404D-96EE-9A74BC0E59B2}"/>
+          </ac:spMkLst>
+        </pc:spChg>
+      </pc:sldChg>
+      <pc:sldChg chg="del">
+        <pc:chgData name="松井 雄大" userId="ce27b73449ee5595" providerId="LiveId" clId="{DB46FEFA-19B4-48CC-A1CD-558FBC793B45}" dt="2021-09-13T08:13:10.087" v="0" actId="47"/>
+        <pc:sldMkLst>
+          <pc:docMk/>
+          <pc:sldMk cId="4062309482" sldId="263"/>
+        </pc:sldMkLst>
+      </pc:sldChg>
+      <pc:sldChg chg="addSp delSp modSp add mod">
+        <pc:chgData name="松井 雄大" userId="ce27b73449ee5595" providerId="LiveId" clId="{DB46FEFA-19B4-48CC-A1CD-558FBC793B45}" dt="2021-09-13T08:47:08.452" v="53"/>
+        <pc:sldMkLst>
+          <pc:docMk/>
+          <pc:sldMk cId="1327894065" sldId="264"/>
+        </pc:sldMkLst>
+        <pc:spChg chg="add mod">
+          <ac:chgData name="松井 雄大" userId="ce27b73449ee5595" providerId="LiveId" clId="{DB46FEFA-19B4-48CC-A1CD-558FBC793B45}" dt="2021-09-13T08:47:08.452" v="53"/>
+          <ac:spMkLst>
+            <pc:docMk/>
+            <pc:sldMk cId="1327894065" sldId="264"/>
+            <ac:spMk id="5" creationId="{FC1D3404-31B6-417A-8B73-A52912FD42D2}"/>
+          </ac:spMkLst>
+        </pc:spChg>
+        <pc:spChg chg="del mod">
+          <ac:chgData name="松井 雄大" userId="ce27b73449ee5595" providerId="LiveId" clId="{DB46FEFA-19B4-48CC-A1CD-558FBC793B45}" dt="2021-09-13T08:47:07.991" v="52" actId="478"/>
+          <ac:spMkLst>
+            <pc:docMk/>
+            <pc:sldMk cId="1327894065" sldId="264"/>
+            <ac:spMk id="6" creationId="{BA225EAA-CB45-4F30-877A-DA43D14903E9}"/>
+          </ac:spMkLst>
+        </pc:spChg>
+      </pc:sldChg>
+      <pc:sldChg chg="del">
+        <pc:chgData name="松井 雄大" userId="ce27b73449ee5595" providerId="LiveId" clId="{DB46FEFA-19B4-48CC-A1CD-558FBC793B45}" dt="2021-09-13T08:13:10.087" v="0" actId="47"/>
+        <pc:sldMkLst>
+          <pc:docMk/>
+          <pc:sldMk cId="2371586413" sldId="265"/>
+        </pc:sldMkLst>
+      </pc:sldChg>
+      <pc:sldChg chg="addSp delSp modSp add mod">
+        <pc:chgData name="松井 雄大" userId="ce27b73449ee5595" providerId="LiveId" clId="{DB46FEFA-19B4-48CC-A1CD-558FBC793B45}" dt="2021-09-13T08:47:12.825" v="55"/>
+        <pc:sldMkLst>
+          <pc:docMk/>
+          <pc:sldMk cId="4062309482" sldId="265"/>
+        </pc:sldMkLst>
+        <pc:spChg chg="add mod">
+          <ac:chgData name="松井 雄大" userId="ce27b73449ee5595" providerId="LiveId" clId="{DB46FEFA-19B4-48CC-A1CD-558FBC793B45}" dt="2021-09-13T08:47:12.825" v="55"/>
+          <ac:spMkLst>
+            <pc:docMk/>
+            <pc:sldMk cId="4062309482" sldId="265"/>
+            <ac:spMk id="5" creationId="{BC9FED2D-6CB0-41A3-816B-D560DBBE720A}"/>
+          </ac:spMkLst>
+        </pc:spChg>
+        <pc:spChg chg="del">
+          <ac:chgData name="松井 雄大" userId="ce27b73449ee5595" providerId="LiveId" clId="{DB46FEFA-19B4-48CC-A1CD-558FBC793B45}" dt="2021-09-13T08:47:12.379" v="54" actId="478"/>
+          <ac:spMkLst>
+            <pc:docMk/>
+            <pc:sldMk cId="4062309482" sldId="265"/>
+            <ac:spMk id="6" creationId="{BA225EAA-CB45-4F30-877A-DA43D14903E9}"/>
+          </ac:spMkLst>
+        </pc:spChg>
+      </pc:sldChg>
+      <pc:sldChg chg="del">
+        <pc:chgData name="松井 雄大" userId="ce27b73449ee5595" providerId="LiveId" clId="{DB46FEFA-19B4-48CC-A1CD-558FBC793B45}" dt="2021-09-13T08:13:10.087" v="0" actId="47"/>
+        <pc:sldMkLst>
+          <pc:docMk/>
+          <pc:sldMk cId="2921450699" sldId="266"/>
+        </pc:sldMkLst>
+      </pc:sldChg>
     </pc:docChg>
   </pc:docChgLst>
   <pc:docChgLst>
@@ -6136,8 +6136,8 @@
           </a:p>
         </p:txBody>
       </p:sp>
-      <mc:AlternateContent xmlns:mc="http://schemas.openxmlformats.org/markup-compatibility/2006">
-        <mc:Choice xmlns:a14="http://schemas.microsoft.com/office/drawing/2010/main" Requires="a14">
+      <mc:AlternateContent xmlns:mc="http://schemas.openxmlformats.org/markup-compatibility/2006" xmlns:a14="http://schemas.microsoft.com/office/drawing/2010/main">
+        <mc:Choice Requires="a14">
           <p:sp>
             <p:nvSpPr>
               <p:cNvPr id="13" name="テキスト ボックス 12">
@@ -6166,6 +6166,7 @@
               </a:bodyPr>
               <a:lstStyle/>
               <a:p>
+                <a:pPr/>
                 <a14:m>
                   <m:oMathPara xmlns:m="http://schemas.openxmlformats.org/officeDocument/2006/math">
                     <m:oMathParaPr>
@@ -6272,7 +6273,7 @@
             </p:txBody>
           </p:sp>
         </mc:Choice>
-        <mc:Fallback>
+        <mc:Fallback xmlns="">
           <p:sp>
             <p:nvSpPr>
               <p:cNvPr id="13" name="テキスト ボックス 12">
@@ -8280,8 +8281,8 @@
           </a:p>
         </p:txBody>
       </p:sp>
-      <mc:AlternateContent xmlns:mc="http://schemas.openxmlformats.org/markup-compatibility/2006">
-        <mc:Choice xmlns:a14="http://schemas.microsoft.com/office/drawing/2010/main" Requires="a14">
+      <mc:AlternateContent xmlns:mc="http://schemas.openxmlformats.org/markup-compatibility/2006" xmlns:a14="http://schemas.microsoft.com/office/drawing/2010/main">
+        <mc:Choice Requires="a14">
           <p:sp>
             <p:nvSpPr>
               <p:cNvPr id="14" name="テキスト ボックス 13">
@@ -8310,6 +8311,7 @@
               </a:bodyPr>
               <a:lstStyle/>
               <a:p>
+                <a:pPr/>
                 <a14:m>
                   <m:oMathPara xmlns:m="http://schemas.openxmlformats.org/officeDocument/2006/math">
                     <m:oMathParaPr>
@@ -8343,7 +8345,7 @@
             </p:txBody>
           </p:sp>
         </mc:Choice>
-        <mc:Fallback>
+        <mc:Fallback xmlns="">
           <p:sp>
             <p:nvSpPr>
               <p:cNvPr id="14" name="テキスト ボックス 13">
@@ -8388,8 +8390,8 @@
           </p:sp>
         </mc:Fallback>
       </mc:AlternateContent>
-      <mc:AlternateContent xmlns:mc="http://schemas.openxmlformats.org/markup-compatibility/2006">
-        <mc:Choice xmlns:a14="http://schemas.microsoft.com/office/drawing/2010/main" Requires="a14">
+      <mc:AlternateContent xmlns:mc="http://schemas.openxmlformats.org/markup-compatibility/2006" xmlns:a14="http://schemas.microsoft.com/office/drawing/2010/main">
+        <mc:Choice Requires="a14">
           <p:sp>
             <p:nvSpPr>
               <p:cNvPr id="15" name="テキスト ボックス 14">
@@ -8418,6 +8420,7 @@
               </a:bodyPr>
               <a:lstStyle/>
               <a:p>
+                <a:pPr/>
                 <a14:m>
                   <m:oMathPara xmlns:m="http://schemas.openxmlformats.org/officeDocument/2006/math">
                     <m:oMathParaPr>
@@ -8444,7 +8447,7 @@
             </p:txBody>
           </p:sp>
         </mc:Choice>
-        <mc:Fallback>
+        <mc:Fallback xmlns="">
           <p:sp>
             <p:nvSpPr>
               <p:cNvPr id="15" name="テキスト ボックス 14">
@@ -9477,8 +9480,8 @@
           </a:graphicData>
         </a:graphic>
       </p:graphicFrame>
-      <mc:AlternateContent xmlns:mc="http://schemas.openxmlformats.org/markup-compatibility/2006">
-        <mc:Choice xmlns:a14="http://schemas.microsoft.com/office/drawing/2010/main" Requires="a14">
+      <mc:AlternateContent xmlns:mc="http://schemas.openxmlformats.org/markup-compatibility/2006" xmlns:a14="http://schemas.microsoft.com/office/drawing/2010/main">
+        <mc:Choice Requires="a14">
           <p:sp>
             <p:nvSpPr>
               <p:cNvPr id="8" name="テキスト ボックス 7">
@@ -9507,6 +9510,7 @@
               </a:bodyPr>
               <a:lstStyle/>
               <a:p>
+                <a:pPr/>
                 <a14:m>
                   <m:oMathPara xmlns:m="http://schemas.openxmlformats.org/officeDocument/2006/math">
                     <m:oMathParaPr>
@@ -9576,7 +9580,7 @@
             </p:txBody>
           </p:sp>
         </mc:Choice>
-        <mc:Fallback>
+        <mc:Fallback xmlns="">
           <p:sp>
             <p:nvSpPr>
               <p:cNvPr id="8" name="テキスト ボックス 7">
@@ -10447,8 +10451,8 @@
           </a:p>
         </p:txBody>
       </p:sp>
-      <mc:AlternateContent xmlns:mc="http://schemas.openxmlformats.org/markup-compatibility/2006">
-        <mc:Choice xmlns:a14="http://schemas.microsoft.com/office/drawing/2010/main" Requires="a14">
+      <mc:AlternateContent xmlns:mc="http://schemas.openxmlformats.org/markup-compatibility/2006" xmlns:a14="http://schemas.microsoft.com/office/drawing/2010/main">
+        <mc:Choice Requires="a14">
           <p:sp>
             <p:nvSpPr>
               <p:cNvPr id="10" name="テキスト ボックス 9">
@@ -10790,7 +10794,7 @@
             </p:txBody>
           </p:sp>
         </mc:Choice>
-        <mc:Fallback>
+        <mc:Fallback xmlns="">
           <p:sp>
             <p:nvSpPr>
               <p:cNvPr id="10" name="テキスト ボックス 9">
@@ -13126,7 +13130,7 @@
                 <a:latin typeface="メイリオ" panose="020B0604030504040204" pitchFamily="50" charset="-128"/>
                 <a:ea typeface="メイリオ" panose="020B0604030504040204" pitchFamily="50" charset="-128"/>
               </a:rPr>
-              <a:t>回の検査では、１回ごとに不良品に気づき次第廃棄。</a:t>
+              <a:t>回目の検査では、１回ごとに不良品に気づき次第廃棄。</a:t>
             </a:r>
             <a:endParaRPr lang="en-US" altLang="ja-JP" dirty="0">
               <a:latin typeface="メイリオ" panose="020B0604030504040204" pitchFamily="50" charset="-128"/>

--- a/04_PBL_02_不良個所自動検出/phase1/演習③　PoCにおける要件定義/提出課題.pptx
+++ b/04_PBL_02_不良個所自動検出/phase1/演習③　PoCにおける要件定義/提出課題.pptx
@@ -464,7 +464,7 @@
   <pc:docChgLst>
     <pc:chgData name="松井 雄大" userId="ce27b73449ee5595" providerId="LiveId" clId="{DB46FEFA-19B4-48CC-A1CD-558FBC793B45}"/>
     <pc:docChg chg="undo custSel addSld delSld modSld">
-      <pc:chgData name="松井 雄大" userId="ce27b73449ee5595" providerId="LiveId" clId="{DB46FEFA-19B4-48CC-A1CD-558FBC793B45}" dt="2021-09-13T08:47:12.825" v="55"/>
+      <pc:chgData name="松井 雄大" userId="ce27b73449ee5595" providerId="LiveId" clId="{DB46FEFA-19B4-48CC-A1CD-558FBC793B45}" dt="2021-09-14T14:42:27.896" v="71" actId="20577"/>
       <pc:docMkLst>
         <pc:docMk/>
       </pc:docMkLst>
@@ -577,7 +577,7 @@
         </pc:spChg>
       </pc:sldChg>
       <pc:sldChg chg="addSp delSp modSp mod">
-        <pc:chgData name="松井 雄大" userId="ce27b73449ee5595" providerId="LiveId" clId="{DB46FEFA-19B4-48CC-A1CD-558FBC793B45}" dt="2021-09-13T08:44:53.748" v="33" actId="6549"/>
+        <pc:chgData name="松井 雄大" userId="ce27b73449ee5595" providerId="LiveId" clId="{DB46FEFA-19B4-48CC-A1CD-558FBC793B45}" dt="2021-09-14T14:42:27.896" v="71" actId="20577"/>
         <pc:sldMkLst>
           <pc:docMk/>
           <pc:sldMk cId="2904666167" sldId="261"/>
@@ -606,6 +606,30 @@
             <ac:spMk id="9" creationId="{089FD7F1-773E-4073-937C-F0151B10FF18}"/>
           </ac:spMkLst>
         </pc:spChg>
+        <pc:spChg chg="mod">
+          <ac:chgData name="松井 雄大" userId="ce27b73449ee5595" providerId="LiveId" clId="{DB46FEFA-19B4-48CC-A1CD-558FBC793B45}" dt="2021-09-14T14:42:27.896" v="71" actId="20577"/>
+          <ac:spMkLst>
+            <pc:docMk/>
+            <pc:sldMk cId="2904666167" sldId="261"/>
+            <ac:spMk id="18" creationId="{21AF42BE-4B75-4F72-B320-BB2B68DEB284}"/>
+          </ac:spMkLst>
+        </pc:spChg>
+        <pc:spChg chg="mod">
+          <ac:chgData name="松井 雄大" userId="ce27b73449ee5595" providerId="LiveId" clId="{DB46FEFA-19B4-48CC-A1CD-558FBC793B45}" dt="2021-09-14T14:42:24.601" v="68" actId="20577"/>
+          <ac:spMkLst>
+            <pc:docMk/>
+            <pc:sldMk cId="2904666167" sldId="261"/>
+            <ac:spMk id="19" creationId="{048F5161-C430-4498-BDB5-DD08F5C861C7}"/>
+          </ac:spMkLst>
+        </pc:spChg>
+        <pc:graphicFrameChg chg="modGraphic">
+          <ac:chgData name="松井 雄大" userId="ce27b73449ee5595" providerId="LiveId" clId="{DB46FEFA-19B4-48CC-A1CD-558FBC793B45}" dt="2021-09-14T14:42:22.012" v="65" actId="20577"/>
+          <ac:graphicFrameMkLst>
+            <pc:docMk/>
+            <pc:sldMk cId="2904666167" sldId="261"/>
+            <ac:graphicFrameMk id="21" creationId="{DE60B2B9-2012-4D94-86F2-B777F851A715}"/>
+          </ac:graphicFrameMkLst>
+        </pc:graphicFrameChg>
         <pc:picChg chg="del">
           <ac:chgData name="松井 雄大" userId="ce27b73449ee5595" providerId="LiveId" clId="{DB46FEFA-19B4-48CC-A1CD-558FBC793B45}" dt="2021-09-13T08:15:07.733" v="4" actId="478"/>
           <ac:picMkLst>
@@ -734,6 +758,29 @@
           <pc:docMk/>
           <pc:sldMk cId="2921450699" sldId="266"/>
         </pc:sldMkLst>
+      </pc:sldChg>
+      <pc:sldChg chg="modSp mod">
+        <pc:chgData name="松井 雄大" userId="ce27b73449ee5595" providerId="LiveId" clId="{DB46FEFA-19B4-48CC-A1CD-558FBC793B45}" dt="2021-09-14T14:42:12.715" v="61" actId="20577"/>
+        <pc:sldMkLst>
+          <pc:docMk/>
+          <pc:sldMk cId="3754382378" sldId="266"/>
+        </pc:sldMkLst>
+        <pc:spChg chg="mod">
+          <ac:chgData name="松井 雄大" userId="ce27b73449ee5595" providerId="LiveId" clId="{DB46FEFA-19B4-48CC-A1CD-558FBC793B45}" dt="2021-09-14T14:42:09.151" v="58" actId="20577"/>
+          <ac:spMkLst>
+            <pc:docMk/>
+            <pc:sldMk cId="3754382378" sldId="266"/>
+            <ac:spMk id="26" creationId="{A6D769B1-9F33-404A-BECE-394D40DC76F7}"/>
+          </ac:spMkLst>
+        </pc:spChg>
+        <pc:spChg chg="mod">
+          <ac:chgData name="松井 雄大" userId="ce27b73449ee5595" providerId="LiveId" clId="{DB46FEFA-19B4-48CC-A1CD-558FBC793B45}" dt="2021-09-14T14:42:12.715" v="61" actId="20577"/>
+          <ac:spMkLst>
+            <pc:docMk/>
+            <pc:sldMk cId="3754382378" sldId="266"/>
+            <ac:spMk id="27" creationId="{248B2E93-72C5-4BF7-8234-E842358E93B1}"/>
+          </ac:spMkLst>
+        </pc:spChg>
       </pc:sldChg>
     </pc:docChg>
   </pc:docChgLst>
@@ -14086,7 +14133,7 @@
                 <a:latin typeface="メイリオ" panose="020B0604030504040204" pitchFamily="50" charset="-128"/>
                 <a:ea typeface="メイリオ" panose="020B0604030504040204" pitchFamily="50" charset="-128"/>
               </a:rPr>
-              <a:t>FN</a:t>
+              <a:t>TN</a:t>
             </a:r>
           </a:p>
           <a:p>
@@ -14135,7 +14182,7 @@
                 <a:latin typeface="メイリオ" panose="020B0604030504040204" pitchFamily="50" charset="-128"/>
                 <a:ea typeface="メイリオ" panose="020B0604030504040204" pitchFamily="50" charset="-128"/>
               </a:rPr>
-              <a:t>TN</a:t>
+              <a:t>FN</a:t>
             </a:r>
           </a:p>
           <a:p>
@@ -14214,7 +14261,7 @@
           <p:nvPr>
             <p:extLst>
               <p:ext uri="{D42A27DB-BD31-4B8C-83A1-F6EECF244321}">
-                <p14:modId xmlns:p14="http://schemas.microsoft.com/office/powerpoint/2010/main" val="393056128"/>
+                <p14:modId xmlns:p14="http://schemas.microsoft.com/office/powerpoint/2010/main" val="3505854277"/>
               </p:ext>
             </p:extLst>
           </p:nvPr>
@@ -14646,7 +14693,7 @@
                           <a:latin typeface="メイリオ" panose="020B0604030504040204" pitchFamily="50" charset="-128"/>
                           <a:ea typeface="メイリオ" panose="020B0604030504040204" pitchFamily="50" charset="-128"/>
                         </a:rPr>
-                        <a:t>9900</a:t>
+                        <a:t>9000</a:t>
                       </a:r>
                       <a:r>
                         <a:rPr kumimoji="1" lang="ja-JP" altLang="en-US" dirty="0">
@@ -16575,7 +16622,7 @@
                 <a:latin typeface="メイリオ" panose="020B0604030504040204" pitchFamily="50" charset="-128"/>
                 <a:ea typeface="メイリオ" panose="020B0604030504040204" pitchFamily="50" charset="-128"/>
               </a:rPr>
-              <a:t>FN</a:t>
+              <a:t>TN</a:t>
             </a:r>
           </a:p>
           <a:p>
@@ -16624,7 +16671,7 @@
                 <a:latin typeface="メイリオ" panose="020B0604030504040204" pitchFamily="50" charset="-128"/>
                 <a:ea typeface="メイリオ" panose="020B0604030504040204" pitchFamily="50" charset="-128"/>
               </a:rPr>
-              <a:t>TN</a:t>
+              <a:t>FN</a:t>
             </a:r>
           </a:p>
           <a:p>
